--- a/OverViewMaterials/PowerBI Modes and model.pptx
+++ b/OverViewMaterials/PowerBI Modes and model.pptx
@@ -135,61 +135,6 @@
 
 <file path=ppt/changesInfos/changesInfo1.xml><?xml version="1.0" encoding="utf-8"?>
 <pc:chgInfo xmlns:a="http://schemas.openxmlformats.org/drawingml/2006/main" xmlns:r="http://schemas.openxmlformats.org/officeDocument/2006/relationships" xmlns:ac="http://schemas.microsoft.com/office/drawing/2013/main/command" xmlns:pc="http://schemas.microsoft.com/office/powerpoint/2013/main/command">
-  <pc:docChgLst>
-    <pc:chgData name="William Brown" userId="a43a51f8-7299-4cdf-9a85-03d2428bde56" providerId="ADAL" clId="{B3A96B40-0941-4170-8403-12BB067B93A0}"/>
-    <pc:docChg chg="delSld modSld">
-      <pc:chgData name="William Brown" userId="a43a51f8-7299-4cdf-9a85-03d2428bde56" providerId="ADAL" clId="{B3A96B40-0941-4170-8403-12BB067B93A0}" dt="2020-08-26T13:38:33.914" v="58" actId="47"/>
-      <pc:docMkLst>
-        <pc:docMk/>
-      </pc:docMkLst>
-      <pc:sldChg chg="modSp del mod">
-        <pc:chgData name="William Brown" userId="a43a51f8-7299-4cdf-9a85-03d2428bde56" providerId="ADAL" clId="{B3A96B40-0941-4170-8403-12BB067B93A0}" dt="2020-08-26T13:38:33.914" v="58" actId="47"/>
-        <pc:sldMkLst>
-          <pc:docMk/>
-          <pc:sldMk cId="4051054841" sldId="279"/>
-        </pc:sldMkLst>
-        <pc:spChg chg="mod">
-          <ac:chgData name="William Brown" userId="a43a51f8-7299-4cdf-9a85-03d2428bde56" providerId="ADAL" clId="{B3A96B40-0941-4170-8403-12BB067B93A0}" dt="2020-08-26T13:38:22.608" v="56" actId="1076"/>
-          <ac:spMkLst>
-            <pc:docMk/>
-            <pc:sldMk cId="4051054841" sldId="279"/>
-            <ac:spMk id="4" creationId="{50F966C4-86E1-41B5-8F2D-0C37AEDD7E9E}"/>
-          </ac:spMkLst>
-        </pc:spChg>
-        <pc:spChg chg="mod">
-          <ac:chgData name="William Brown" userId="a43a51f8-7299-4cdf-9a85-03d2428bde56" providerId="ADAL" clId="{B3A96B40-0941-4170-8403-12BB067B93A0}" dt="2020-08-26T13:38:24.866" v="57" actId="1076"/>
-          <ac:spMkLst>
-            <pc:docMk/>
-            <pc:sldMk cId="4051054841" sldId="279"/>
-            <ac:spMk id="6" creationId="{D166AF75-021C-42C3-9B51-02425272546C}"/>
-          </ac:spMkLst>
-        </pc:spChg>
-      </pc:sldChg>
-      <pc:sldChg chg="modSp del mod">
-        <pc:chgData name="William Brown" userId="a43a51f8-7299-4cdf-9a85-03d2428bde56" providerId="ADAL" clId="{B3A96B40-0941-4170-8403-12BB067B93A0}" dt="2020-08-26T13:38:33.914" v="58" actId="47"/>
-        <pc:sldMkLst>
-          <pc:docMk/>
-          <pc:sldMk cId="2825071301" sldId="280"/>
-        </pc:sldMkLst>
-        <pc:spChg chg="mod">
-          <ac:chgData name="William Brown" userId="a43a51f8-7299-4cdf-9a85-03d2428bde56" providerId="ADAL" clId="{B3A96B40-0941-4170-8403-12BB067B93A0}" dt="2020-08-26T13:37:33.503" v="55" actId="6549"/>
-          <ac:spMkLst>
-            <pc:docMk/>
-            <pc:sldMk cId="2825071301" sldId="280"/>
-            <ac:spMk id="5" creationId="{554CF6E1-FA12-4FA2-99D0-F7A41D24C08C}"/>
-          </ac:spMkLst>
-        </pc:spChg>
-        <pc:spChg chg="mod">
-          <ac:chgData name="William Brown" userId="a43a51f8-7299-4cdf-9a85-03d2428bde56" providerId="ADAL" clId="{B3A96B40-0941-4170-8403-12BB067B93A0}" dt="2020-08-26T13:37:07.443" v="4" actId="20577"/>
-          <ac:spMkLst>
-            <pc:docMk/>
-            <pc:sldMk cId="2825071301" sldId="280"/>
-            <ac:spMk id="8" creationId="{ECBCF414-8390-4842-A496-0B2A37BA387B}"/>
-          </ac:spMkLst>
-        </pc:spChg>
-      </pc:sldChg>
-    </pc:docChg>
-  </pc:docChgLst>
   <pc:docChgLst>
     <pc:chgData name="William Brown" userId="a43a51f8-7299-4cdf-9a85-03d2428bde56" providerId="ADAL" clId="{1CDA0946-91BC-4157-BECA-06CE984630B7}"/>
     <pc:docChg chg="undo custSel mod addSld delSld modSld sldOrd">
@@ -436,6 +381,85 @@
     </pc:docChg>
   </pc:docChgLst>
   <pc:docChgLst>
+    <pc:chgData name="William Brown" userId="a43a51f8-7299-4cdf-9a85-03d2428bde56" providerId="ADAL" clId="{03AF5551-950C-44D9-A92F-2AE026C9577A}"/>
+    <pc:docChg chg="custSel modSld">
+      <pc:chgData name="William Brown" userId="a43a51f8-7299-4cdf-9a85-03d2428bde56" providerId="ADAL" clId="{03AF5551-950C-44D9-A92F-2AE026C9577A}" dt="2020-04-29T23:42:49.433" v="4" actId="20577"/>
+      <pc:docMkLst>
+        <pc:docMk/>
+      </pc:docMkLst>
+      <pc:sldChg chg="modSp mod">
+        <pc:chgData name="William Brown" userId="a43a51f8-7299-4cdf-9a85-03d2428bde56" providerId="ADAL" clId="{03AF5551-950C-44D9-A92F-2AE026C9577A}" dt="2020-04-29T23:42:49.433" v="4" actId="20577"/>
+        <pc:sldMkLst>
+          <pc:docMk/>
+          <pc:sldMk cId="2487056109" sldId="261"/>
+        </pc:sldMkLst>
+        <pc:spChg chg="mod">
+          <ac:chgData name="William Brown" userId="a43a51f8-7299-4cdf-9a85-03d2428bde56" providerId="ADAL" clId="{03AF5551-950C-44D9-A92F-2AE026C9577A}" dt="2020-04-29T23:42:49.433" v="4" actId="20577"/>
+          <ac:spMkLst>
+            <pc:docMk/>
+            <pc:sldMk cId="2487056109" sldId="261"/>
+            <ac:spMk id="2" creationId="{00000000-0000-0000-0000-000000000000}"/>
+          </ac:spMkLst>
+        </pc:spChg>
+      </pc:sldChg>
+    </pc:docChg>
+  </pc:docChgLst>
+  <pc:docChgLst>
+    <pc:chgData name="William Brown" userId="a43a51f8-7299-4cdf-9a85-03d2428bde56" providerId="ADAL" clId="{B3A96B40-0941-4170-8403-12BB067B93A0}"/>
+    <pc:docChg chg="delSld modSld">
+      <pc:chgData name="William Brown" userId="a43a51f8-7299-4cdf-9a85-03d2428bde56" providerId="ADAL" clId="{B3A96B40-0941-4170-8403-12BB067B93A0}" dt="2020-08-26T13:38:33.914" v="58" actId="47"/>
+      <pc:docMkLst>
+        <pc:docMk/>
+      </pc:docMkLst>
+      <pc:sldChg chg="modSp del mod">
+        <pc:chgData name="William Brown" userId="a43a51f8-7299-4cdf-9a85-03d2428bde56" providerId="ADAL" clId="{B3A96B40-0941-4170-8403-12BB067B93A0}" dt="2020-08-26T13:38:33.914" v="58" actId="47"/>
+        <pc:sldMkLst>
+          <pc:docMk/>
+          <pc:sldMk cId="4051054841" sldId="279"/>
+        </pc:sldMkLst>
+        <pc:spChg chg="mod">
+          <ac:chgData name="William Brown" userId="a43a51f8-7299-4cdf-9a85-03d2428bde56" providerId="ADAL" clId="{B3A96B40-0941-4170-8403-12BB067B93A0}" dt="2020-08-26T13:38:22.608" v="56" actId="1076"/>
+          <ac:spMkLst>
+            <pc:docMk/>
+            <pc:sldMk cId="4051054841" sldId="279"/>
+            <ac:spMk id="4" creationId="{50F966C4-86E1-41B5-8F2D-0C37AEDD7E9E}"/>
+          </ac:spMkLst>
+        </pc:spChg>
+        <pc:spChg chg="mod">
+          <ac:chgData name="William Brown" userId="a43a51f8-7299-4cdf-9a85-03d2428bde56" providerId="ADAL" clId="{B3A96B40-0941-4170-8403-12BB067B93A0}" dt="2020-08-26T13:38:24.866" v="57" actId="1076"/>
+          <ac:spMkLst>
+            <pc:docMk/>
+            <pc:sldMk cId="4051054841" sldId="279"/>
+            <ac:spMk id="6" creationId="{D166AF75-021C-42C3-9B51-02425272546C}"/>
+          </ac:spMkLst>
+        </pc:spChg>
+      </pc:sldChg>
+      <pc:sldChg chg="modSp del mod">
+        <pc:chgData name="William Brown" userId="a43a51f8-7299-4cdf-9a85-03d2428bde56" providerId="ADAL" clId="{B3A96B40-0941-4170-8403-12BB067B93A0}" dt="2020-08-26T13:38:33.914" v="58" actId="47"/>
+        <pc:sldMkLst>
+          <pc:docMk/>
+          <pc:sldMk cId="2825071301" sldId="280"/>
+        </pc:sldMkLst>
+        <pc:spChg chg="mod">
+          <ac:chgData name="William Brown" userId="a43a51f8-7299-4cdf-9a85-03d2428bde56" providerId="ADAL" clId="{B3A96B40-0941-4170-8403-12BB067B93A0}" dt="2020-08-26T13:37:33.503" v="55" actId="6549"/>
+          <ac:spMkLst>
+            <pc:docMk/>
+            <pc:sldMk cId="2825071301" sldId="280"/>
+            <ac:spMk id="5" creationId="{554CF6E1-FA12-4FA2-99D0-F7A41D24C08C}"/>
+          </ac:spMkLst>
+        </pc:spChg>
+        <pc:spChg chg="mod">
+          <ac:chgData name="William Brown" userId="a43a51f8-7299-4cdf-9a85-03d2428bde56" providerId="ADAL" clId="{B3A96B40-0941-4170-8403-12BB067B93A0}" dt="2020-08-26T13:37:07.443" v="4" actId="20577"/>
+          <ac:spMkLst>
+            <pc:docMk/>
+            <pc:sldMk cId="2825071301" sldId="280"/>
+            <ac:spMk id="8" creationId="{ECBCF414-8390-4842-A496-0B2A37BA387B}"/>
+          </ac:spMkLst>
+        </pc:spChg>
+      </pc:sldChg>
+    </pc:docChg>
+  </pc:docChgLst>
+  <pc:docChgLst>
     <pc:chgData name="William Brown" userId="a43a51f8-7299-4cdf-9a85-03d2428bde56" providerId="ADAL" clId="{20F30B24-2E99-4147-ADFA-D294AF2671E8}"/>
     <pc:docChg chg="modSld">
       <pc:chgData name="William Brown" userId="a43a51f8-7299-4cdf-9a85-03d2428bde56" providerId="ADAL" clId="{20F30B24-2E99-4147-ADFA-D294AF2671E8}" dt="2018-08-20T16:55:25.438" v="5" actId="20577"/>
@@ -485,30 +509,6 @@
             <pc:docMk/>
             <pc:sldMk cId="2487056109" sldId="261"/>
             <ac:spMk id="28" creationId="{00000000-0000-0000-0000-000000000000}"/>
-          </ac:spMkLst>
-        </pc:spChg>
-      </pc:sldChg>
-    </pc:docChg>
-  </pc:docChgLst>
-  <pc:docChgLst>
-    <pc:chgData name="William Brown" userId="a43a51f8-7299-4cdf-9a85-03d2428bde56" providerId="ADAL" clId="{03AF5551-950C-44D9-A92F-2AE026C9577A}"/>
-    <pc:docChg chg="custSel modSld">
-      <pc:chgData name="William Brown" userId="a43a51f8-7299-4cdf-9a85-03d2428bde56" providerId="ADAL" clId="{03AF5551-950C-44D9-A92F-2AE026C9577A}" dt="2020-04-29T23:42:49.433" v="4" actId="20577"/>
-      <pc:docMkLst>
-        <pc:docMk/>
-      </pc:docMkLst>
-      <pc:sldChg chg="modSp mod">
-        <pc:chgData name="William Brown" userId="a43a51f8-7299-4cdf-9a85-03d2428bde56" providerId="ADAL" clId="{03AF5551-950C-44D9-A92F-2AE026C9577A}" dt="2020-04-29T23:42:49.433" v="4" actId="20577"/>
-        <pc:sldMkLst>
-          <pc:docMk/>
-          <pc:sldMk cId="2487056109" sldId="261"/>
-        </pc:sldMkLst>
-        <pc:spChg chg="mod">
-          <ac:chgData name="William Brown" userId="a43a51f8-7299-4cdf-9a85-03d2428bde56" providerId="ADAL" clId="{03AF5551-950C-44D9-A92F-2AE026C9577A}" dt="2020-04-29T23:42:49.433" v="4" actId="20577"/>
-          <ac:spMkLst>
-            <pc:docMk/>
-            <pc:sldMk cId="2487056109" sldId="261"/>
-            <ac:spMk id="2" creationId="{00000000-0000-0000-0000-000000000000}"/>
           </ac:spMkLst>
         </pc:spChg>
       </pc:sldChg>
@@ -3218,7 +3218,7 @@
           <a:p>
             <a:fld id="{276BF4D1-6CE7-4C86-AD0A-4324D845B6FA}" type="datetimeFigureOut">
               <a:rPr lang="en-US" smtClean="0"/>
-              <a:t>8/26/2020</a:t>
+              <a:t>10/3/2020</a:t>
             </a:fld>
             <a:endParaRPr lang="en-US"/>
           </a:p>
@@ -3968,7 +3968,7 @@
           <a:p>
             <a:fld id="{9512DF6B-2E9C-415D-A7A6-45879A78C302}" type="datetimeFigureOut">
               <a:rPr lang="en-US" smtClean="0"/>
-              <a:t>8/26/2020</a:t>
+              <a:t>10/3/2020</a:t>
             </a:fld>
             <a:endParaRPr lang="en-US"/>
           </a:p>
@@ -4136,7 +4136,7 @@
           <a:p>
             <a:fld id="{9512DF6B-2E9C-415D-A7A6-45879A78C302}" type="datetimeFigureOut">
               <a:rPr lang="en-US" smtClean="0"/>
-              <a:t>8/26/2020</a:t>
+              <a:t>10/3/2020</a:t>
             </a:fld>
             <a:endParaRPr lang="en-US"/>
           </a:p>
@@ -4314,7 +4314,7 @@
           <a:p>
             <a:fld id="{9512DF6B-2E9C-415D-A7A6-45879A78C302}" type="datetimeFigureOut">
               <a:rPr lang="en-US" smtClean="0"/>
-              <a:t>8/26/2020</a:t>
+              <a:t>10/3/2020</a:t>
             </a:fld>
             <a:endParaRPr lang="en-US"/>
           </a:p>
@@ -4642,7 +4642,7 @@
           <a:p>
             <a:fld id="{9512DF6B-2E9C-415D-A7A6-45879A78C302}" type="datetimeFigureOut">
               <a:rPr lang="en-US" smtClean="0"/>
-              <a:t>8/26/2020</a:t>
+              <a:t>10/3/2020</a:t>
             </a:fld>
             <a:endParaRPr lang="en-US"/>
           </a:p>
@@ -4887,7 +4887,7 @@
           <a:p>
             <a:fld id="{9512DF6B-2E9C-415D-A7A6-45879A78C302}" type="datetimeFigureOut">
               <a:rPr lang="en-US" smtClean="0"/>
-              <a:t>8/26/2020</a:t>
+              <a:t>10/3/2020</a:t>
             </a:fld>
             <a:endParaRPr lang="en-US"/>
           </a:p>
@@ -5116,7 +5116,7 @@
           <a:p>
             <a:fld id="{9512DF6B-2E9C-415D-A7A6-45879A78C302}" type="datetimeFigureOut">
               <a:rPr lang="en-US" smtClean="0"/>
-              <a:t>8/26/2020</a:t>
+              <a:t>10/3/2020</a:t>
             </a:fld>
             <a:endParaRPr lang="en-US"/>
           </a:p>
@@ -5480,7 +5480,7 @@
           <a:p>
             <a:fld id="{9512DF6B-2E9C-415D-A7A6-45879A78C302}" type="datetimeFigureOut">
               <a:rPr lang="en-US" smtClean="0"/>
-              <a:t>8/26/2020</a:t>
+              <a:t>10/3/2020</a:t>
             </a:fld>
             <a:endParaRPr lang="en-US"/>
           </a:p>
@@ -5597,7 +5597,7 @@
           <a:p>
             <a:fld id="{9512DF6B-2E9C-415D-A7A6-45879A78C302}" type="datetimeFigureOut">
               <a:rPr lang="en-US" smtClean="0"/>
-              <a:t>8/26/2020</a:t>
+              <a:t>10/3/2020</a:t>
             </a:fld>
             <a:endParaRPr lang="en-US"/>
           </a:p>
@@ -5692,7 +5692,7 @@
           <a:p>
             <a:fld id="{9512DF6B-2E9C-415D-A7A6-45879A78C302}" type="datetimeFigureOut">
               <a:rPr lang="en-US" smtClean="0"/>
-              <a:t>8/26/2020</a:t>
+              <a:t>10/3/2020</a:t>
             </a:fld>
             <a:endParaRPr lang="en-US"/>
           </a:p>
@@ -5967,7 +5967,7 @@
           <a:p>
             <a:fld id="{9512DF6B-2E9C-415D-A7A6-45879A78C302}" type="datetimeFigureOut">
               <a:rPr lang="en-US" smtClean="0"/>
-              <a:t>8/26/2020</a:t>
+              <a:t>10/3/2020</a:t>
             </a:fld>
             <a:endParaRPr lang="en-US"/>
           </a:p>
@@ -6219,7 +6219,7 @@
           <a:p>
             <a:fld id="{9512DF6B-2E9C-415D-A7A6-45879A78C302}" type="datetimeFigureOut">
               <a:rPr lang="en-US" smtClean="0"/>
-              <a:t>8/26/2020</a:t>
+              <a:t>10/3/2020</a:t>
             </a:fld>
             <a:endParaRPr lang="en-US"/>
           </a:p>
@@ -6430,7 +6430,7 @@
           <a:p>
             <a:fld id="{9512DF6B-2E9C-415D-A7A6-45879A78C302}" type="datetimeFigureOut">
               <a:rPr lang="en-US" smtClean="0"/>
-              <a:t>8/26/2020</a:t>
+              <a:t>10/3/2020</a:t>
             </a:fld>
             <a:endParaRPr lang="en-US"/>
           </a:p>
@@ -7235,8 +7235,8 @@
         </p:nvSpPr>
         <p:spPr>
           <a:xfrm>
-            <a:off x="553156" y="869462"/>
-            <a:ext cx="2291644" cy="369332"/>
+            <a:off x="299937" y="813020"/>
+            <a:ext cx="2291644" cy="646331"/>
           </a:xfrm>
           <a:prstGeom prst="rect">
             <a:avLst/>
@@ -7251,7 +7251,7 @@
           <a:p>
             <a:r>
               <a:rPr lang="en-US" dirty="0"/>
-              <a:t>Users can see this</a:t>
+              <a:t>Users can see this – easy to read</a:t>
             </a:r>
           </a:p>
         </p:txBody>
@@ -7270,8 +7270,8 @@
         </p:nvSpPr>
         <p:spPr>
           <a:xfrm>
-            <a:off x="3663245" y="869462"/>
-            <a:ext cx="2291644" cy="369332"/>
+            <a:off x="3663244" y="869462"/>
+            <a:ext cx="5673013" cy="369332"/>
           </a:xfrm>
           <a:prstGeom prst="rect">
             <a:avLst/>
@@ -7286,7 +7286,7 @@
           <a:p>
             <a:r>
               <a:rPr lang="en-US" dirty="0"/>
-              <a:t>Or this</a:t>
+              <a:t>Or this – underlying database tables and columns </a:t>
             </a:r>
           </a:p>
         </p:txBody>
@@ -8057,7 +8057,7 @@
         <p:spPr>
           <a:xfrm>
             <a:off x="7077084" y="996142"/>
-            <a:ext cx="4405223" cy="2862322"/>
+            <a:ext cx="4405223" cy="3139321"/>
           </a:xfrm>
           <a:prstGeom prst="rect">
             <a:avLst/>
@@ -8091,6 +8091,12 @@
             <a:r>
               <a:rPr lang="en-US" dirty="0"/>
               <a:t>1 gigabyte file limit in PBI Service</a:t>
+            </a:r>
+          </a:p>
+          <a:p>
+            <a:r>
+              <a:rPr lang="en-US" dirty="0"/>
+              <a:t>Larger with Premium</a:t>
             </a:r>
           </a:p>
           <a:p>
